--- a/Slides/Blazor/5. Routing/Routing.pptx
+++ b/Slides/Blazor/5. Routing/Routing.pptx
@@ -119,6 +119,11 @@
       </a:defRPr>
     </a:lvl9pPr>
   </p:defaultTextStyle>
+  <p:extLst>
+    <p:ext uri="{EFAFB233-063F-42B5-8137-9DF3F51BA10A}">
+      <p15:sldGuideLst xmlns:p15="http://schemas.microsoft.com/office/powerpoint/2012/main"/>
+    </p:ext>
+  </p:extLst>
 </p:presentation>
 </file>
 
@@ -204,7 +209,7 @@
           <a:p>
             <a:fld id="{E9F1277C-9FB0-49A8-8C80-EC0455DC90BE}" type="datetimeFigureOut">
               <a:rPr lang="en-US" smtClean="0"/>
-              <a:t>7/16/2023</a:t>
+              <a:t>7/17/2023</a:t>
             </a:fld>
             <a:endParaRPr lang="en-US"/>
           </a:p>
@@ -722,7 +727,7 @@
           <a:p>
             <a:fld id="{B3CE8422-34BE-45CD-BE0C-998D664E7F51}" type="datetimeFigureOut">
               <a:rPr lang="en-US" smtClean="0"/>
-              <a:t>7/16/2023</a:t>
+              <a:t>7/17/2023</a:t>
             </a:fld>
             <a:endParaRPr lang="en-US"/>
           </a:p>
@@ -920,7 +925,7 @@
           <a:p>
             <a:fld id="{B3CE8422-34BE-45CD-BE0C-998D664E7F51}" type="datetimeFigureOut">
               <a:rPr lang="en-US" smtClean="0"/>
-              <a:t>7/16/2023</a:t>
+              <a:t>7/17/2023</a:t>
             </a:fld>
             <a:endParaRPr lang="en-US"/>
           </a:p>
@@ -1128,7 +1133,7 @@
           <a:p>
             <a:fld id="{B3CE8422-34BE-45CD-BE0C-998D664E7F51}" type="datetimeFigureOut">
               <a:rPr lang="en-US" smtClean="0"/>
-              <a:t>7/16/2023</a:t>
+              <a:t>7/17/2023</a:t>
             </a:fld>
             <a:endParaRPr lang="en-US"/>
           </a:p>
@@ -1995,7 +2000,7 @@
           <a:p>
             <a:fld id="{B3CE8422-34BE-45CD-BE0C-998D664E7F51}" type="datetimeFigureOut">
               <a:rPr lang="en-US" smtClean="0"/>
-              <a:t>7/16/2023</a:t>
+              <a:t>7/17/2023</a:t>
             </a:fld>
             <a:endParaRPr lang="en-US"/>
           </a:p>
@@ -2270,7 +2275,7 @@
           <a:p>
             <a:fld id="{B3CE8422-34BE-45CD-BE0C-998D664E7F51}" type="datetimeFigureOut">
               <a:rPr lang="en-US" smtClean="0"/>
-              <a:t>7/16/2023</a:t>
+              <a:t>7/17/2023</a:t>
             </a:fld>
             <a:endParaRPr lang="en-US"/>
           </a:p>
@@ -2535,7 +2540,7 @@
           <a:p>
             <a:fld id="{B3CE8422-34BE-45CD-BE0C-998D664E7F51}" type="datetimeFigureOut">
               <a:rPr lang="en-US" smtClean="0"/>
-              <a:t>7/16/2023</a:t>
+              <a:t>7/17/2023</a:t>
             </a:fld>
             <a:endParaRPr lang="en-US"/>
           </a:p>
@@ -2947,7 +2952,7 @@
           <a:p>
             <a:fld id="{B3CE8422-34BE-45CD-BE0C-998D664E7F51}" type="datetimeFigureOut">
               <a:rPr lang="en-US" smtClean="0"/>
-              <a:t>7/16/2023</a:t>
+              <a:t>7/17/2023</a:t>
             </a:fld>
             <a:endParaRPr lang="en-US"/>
           </a:p>
@@ -3088,7 +3093,7 @@
           <a:p>
             <a:fld id="{B3CE8422-34BE-45CD-BE0C-998D664E7F51}" type="datetimeFigureOut">
               <a:rPr lang="en-US" smtClean="0"/>
-              <a:t>7/16/2023</a:t>
+              <a:t>7/17/2023</a:t>
             </a:fld>
             <a:endParaRPr lang="en-US"/>
           </a:p>
@@ -3201,7 +3206,7 @@
           <a:p>
             <a:fld id="{B3CE8422-34BE-45CD-BE0C-998D664E7F51}" type="datetimeFigureOut">
               <a:rPr lang="en-US" smtClean="0"/>
-              <a:t>7/16/2023</a:t>
+              <a:t>7/17/2023</a:t>
             </a:fld>
             <a:endParaRPr lang="en-US"/>
           </a:p>
@@ -3512,7 +3517,7 @@
           <a:p>
             <a:fld id="{B3CE8422-34BE-45CD-BE0C-998D664E7F51}" type="datetimeFigureOut">
               <a:rPr lang="en-US" smtClean="0"/>
-              <a:t>7/16/2023</a:t>
+              <a:t>7/17/2023</a:t>
             </a:fld>
             <a:endParaRPr lang="en-US"/>
           </a:p>
@@ -3800,7 +3805,7 @@
           <a:p>
             <a:fld id="{B3CE8422-34BE-45CD-BE0C-998D664E7F51}" type="datetimeFigureOut">
               <a:rPr lang="en-US" smtClean="0"/>
-              <a:t>7/16/2023</a:t>
+              <a:t>7/17/2023</a:t>
             </a:fld>
             <a:endParaRPr lang="en-US"/>
           </a:p>
@@ -4041,7 +4046,7 @@
           <a:p>
             <a:fld id="{B3CE8422-34BE-45CD-BE0C-998D664E7F51}" type="datetimeFigureOut">
               <a:rPr lang="en-US" smtClean="0"/>
-              <a:t>7/16/2023</a:t>
+              <a:t>7/17/2023</a:t>
             </a:fld>
             <a:endParaRPr lang="en-US"/>
           </a:p>
